--- a/無限的愛.pptx
+++ b/無限的愛.pptx
@@ -311,7 +311,7 @@
             <a:fld id="{1EF5F00D-E849-402F-B5C9-FBE01E065D9B}" type="datetimeFigureOut">
               <a:rPr lang="zh-TW" altLang="en-US" smtClean="0"/>
               <a:pPr/>
-              <a:t>2022/5/7</a:t>
+              <a:t>2023/7/22</a:t>
             </a:fld>
             <a:endParaRPr lang="zh-TW" altLang="en-US"/>
           </a:p>
@@ -483,7 +483,7 @@
             <a:fld id="{1EF5F00D-E849-402F-B5C9-FBE01E065D9B}" type="datetimeFigureOut">
               <a:rPr lang="zh-TW" altLang="en-US" smtClean="0"/>
               <a:pPr/>
-              <a:t>2022/5/7</a:t>
+              <a:t>2023/7/22</a:t>
             </a:fld>
             <a:endParaRPr lang="zh-TW" altLang="en-US"/>
           </a:p>
@@ -665,7 +665,7 @@
             <a:fld id="{1EF5F00D-E849-402F-B5C9-FBE01E065D9B}" type="datetimeFigureOut">
               <a:rPr lang="zh-TW" altLang="en-US" smtClean="0"/>
               <a:pPr/>
-              <a:t>2022/5/7</a:t>
+              <a:t>2023/7/22</a:t>
             </a:fld>
             <a:endParaRPr lang="zh-TW" altLang="en-US"/>
           </a:p>
@@ -837,7 +837,7 @@
             <a:fld id="{1EF5F00D-E849-402F-B5C9-FBE01E065D9B}" type="datetimeFigureOut">
               <a:rPr lang="zh-TW" altLang="en-US" smtClean="0"/>
               <a:pPr/>
-              <a:t>2022/5/7</a:t>
+              <a:t>2023/7/22</a:t>
             </a:fld>
             <a:endParaRPr lang="zh-TW" altLang="en-US"/>
           </a:p>
@@ -1085,7 +1085,7 @@
             <a:fld id="{1EF5F00D-E849-402F-B5C9-FBE01E065D9B}" type="datetimeFigureOut">
               <a:rPr lang="zh-TW" altLang="en-US" smtClean="0"/>
               <a:pPr/>
-              <a:t>2022/5/7</a:t>
+              <a:t>2023/7/22</a:t>
             </a:fld>
             <a:endParaRPr lang="zh-TW" altLang="en-US"/>
           </a:p>
@@ -1375,7 +1375,7 @@
             <a:fld id="{1EF5F00D-E849-402F-B5C9-FBE01E065D9B}" type="datetimeFigureOut">
               <a:rPr lang="zh-TW" altLang="en-US" smtClean="0"/>
               <a:pPr/>
-              <a:t>2022/5/7</a:t>
+              <a:t>2023/7/22</a:t>
             </a:fld>
             <a:endParaRPr lang="zh-TW" altLang="en-US"/>
           </a:p>
@@ -1799,7 +1799,7 @@
             <a:fld id="{1EF5F00D-E849-402F-B5C9-FBE01E065D9B}" type="datetimeFigureOut">
               <a:rPr lang="zh-TW" altLang="en-US" smtClean="0"/>
               <a:pPr/>
-              <a:t>2022/5/7</a:t>
+              <a:t>2023/7/22</a:t>
             </a:fld>
             <a:endParaRPr lang="zh-TW" altLang="en-US"/>
           </a:p>
@@ -1919,7 +1919,7 @@
             <a:fld id="{1EF5F00D-E849-402F-B5C9-FBE01E065D9B}" type="datetimeFigureOut">
               <a:rPr lang="zh-TW" altLang="en-US" smtClean="0"/>
               <a:pPr/>
-              <a:t>2022/5/7</a:t>
+              <a:t>2023/7/22</a:t>
             </a:fld>
             <a:endParaRPr lang="zh-TW" altLang="en-US"/>
           </a:p>
@@ -2016,7 +2016,7 @@
             <a:fld id="{1EF5F00D-E849-402F-B5C9-FBE01E065D9B}" type="datetimeFigureOut">
               <a:rPr lang="zh-TW" altLang="en-US" smtClean="0"/>
               <a:pPr/>
-              <a:t>2022/5/7</a:t>
+              <a:t>2023/7/22</a:t>
             </a:fld>
             <a:endParaRPr lang="zh-TW" altLang="en-US"/>
           </a:p>
@@ -2295,7 +2295,7 @@
             <a:fld id="{1EF5F00D-E849-402F-B5C9-FBE01E065D9B}" type="datetimeFigureOut">
               <a:rPr lang="zh-TW" altLang="en-US" smtClean="0"/>
               <a:pPr/>
-              <a:t>2022/5/7</a:t>
+              <a:t>2023/7/22</a:t>
             </a:fld>
             <a:endParaRPr lang="zh-TW" altLang="en-US"/>
           </a:p>
@@ -2554,7 +2554,7 @@
             <a:fld id="{1EF5F00D-E849-402F-B5C9-FBE01E065D9B}" type="datetimeFigureOut">
               <a:rPr lang="zh-TW" altLang="en-US" smtClean="0"/>
               <a:pPr/>
-              <a:t>2022/5/7</a:t>
+              <a:t>2023/7/22</a:t>
             </a:fld>
             <a:endParaRPr lang="zh-TW" altLang="en-US"/>
           </a:p>
@@ -2774,7 +2774,7 @@
             <a:fld id="{1EF5F00D-E849-402F-B5C9-FBE01E065D9B}" type="datetimeFigureOut">
               <a:rPr lang="zh-TW" altLang="en-US" smtClean="0"/>
               <a:pPr/>
-              <a:t>2022/5/7</a:t>
+              <a:t>2023/7/22</a:t>
             </a:fld>
             <a:endParaRPr lang="zh-TW" altLang="en-US"/>
           </a:p>
@@ -3187,24 +3187,7 @@
                 <a:latin typeface="微軟正黑體" pitchFamily="34" charset="-120"/>
                 <a:ea typeface="微軟正黑體" pitchFamily="34" charset="-120"/>
               </a:rPr>
-              <a:t>無</a:t>
-            </a:r>
-            <a:r>
-              <a:rPr lang="zh-TW" altLang="en-US" sz="7200" b="1" i="1" dirty="0">
-                <a:solidFill>
-                  <a:srgbClr val="660033"/>
-                </a:solidFill>
-                <a:effectLst>
-                  <a:outerShdw blurRad="38100" dist="38100" dir="2700000" algn="tl">
-                    <a:srgbClr val="000000">
-                      <a:alpha val="43137"/>
-                    </a:srgbClr>
-                  </a:outerShdw>
-                </a:effectLst>
-                <a:latin typeface="微軟正黑體" pitchFamily="34" charset="-120"/>
-                <a:ea typeface="微軟正黑體" pitchFamily="34" charset="-120"/>
-              </a:rPr>
-              <a:t>限的愛</a:t>
+              <a:t>無限的愛</a:t>
             </a:r>
           </a:p>
         </p:txBody>
@@ -3265,7 +3248,7 @@
               <a:buNone/>
             </a:pPr>
             <a:r>
-              <a:rPr lang="zh-TW" altLang="en-US" sz="6400" b="1" dirty="0">
+              <a:rPr lang="zh-TW" altLang="en-US" sz="6400" b="1" dirty="0" smtClean="0">
                 <a:solidFill>
                   <a:srgbClr val="660033"/>
                 </a:solidFill>
@@ -3275,17 +3258,17 @@
               <a:t>主</a:t>
             </a:r>
             <a:r>
-              <a:rPr lang="zh-CN" altLang="en-US" sz="6400" b="1" dirty="0">
+              <a:rPr lang="zh-CN" altLang="en-US" sz="6400" b="1" dirty="0" smtClean="0">
                 <a:solidFill>
                   <a:srgbClr val="660033"/>
                 </a:solidFill>
                 <a:latin typeface="微軟正黑體" pitchFamily="34" charset="-120"/>
                 <a:ea typeface="微軟正黑體" pitchFamily="34" charset="-120"/>
               </a:rPr>
-              <a:t>袮</a:t>
-            </a:r>
-            <a:r>
-              <a:rPr lang="zh-TW" altLang="en-US" sz="6400" b="1" dirty="0">
+              <a:t>祢</a:t>
+            </a:r>
+            <a:r>
+              <a:rPr lang="zh-TW" altLang="en-US" sz="6400" b="1" dirty="0" smtClean="0">
                 <a:solidFill>
                   <a:srgbClr val="660033"/>
                 </a:solidFill>
@@ -3331,7 +3314,7 @@
         <p:spPr>
           <a:xfrm>
             <a:off x="0" y="5157192"/>
-            <a:ext cx="12192000" cy="748988"/>
+            <a:ext cx="12192000" cy="646331"/>
           </a:xfrm>
           <a:prstGeom prst="rect">
             <a:avLst/>
@@ -3346,7 +3329,7 @@
           <a:p>
             <a:pPr algn="ctr"/>
             <a:r>
-              <a:rPr lang="en-US" sz="4267" b="1" dirty="0">
+              <a:rPr lang="en-US" sz="3600" b="1" dirty="0">
                 <a:solidFill>
                   <a:srgbClr val="660033"/>
                 </a:solidFill>
@@ -3356,7 +3339,7 @@
               <a:t>( </a:t>
             </a:r>
             <a:r>
-              <a:rPr lang="zh-CN" altLang="en-US" sz="4267" b="1" dirty="0">
+              <a:rPr lang="zh-CN" altLang="en-US" sz="3600" b="1" dirty="0">
                 <a:solidFill>
                   <a:srgbClr val="660033"/>
                 </a:solidFill>
@@ -3366,7 +3349,7 @@
               <a:t>正</a:t>
             </a:r>
             <a:r>
-              <a:rPr lang="en-US" sz="4267" b="1" dirty="0">
+              <a:rPr lang="en-US" sz="3600" b="1" dirty="0">
                 <a:solidFill>
                   <a:srgbClr val="660033"/>
                 </a:solidFill>
@@ -3375,7 +3358,7 @@
               </a:rPr>
               <a:t> )</a:t>
             </a:r>
-            <a:endParaRPr lang="vi-VN" sz="4267" b="1" dirty="0">
+            <a:endParaRPr lang="vi-VN" sz="3600" b="1" dirty="0">
               <a:solidFill>
                 <a:srgbClr val="660033"/>
               </a:solidFill>
@@ -3450,7 +3433,7 @@
               <a:t>夢中</a:t>
             </a:r>
             <a:r>
-              <a:rPr lang="zh-TW" altLang="en-US" sz="6400" b="1" dirty="0">
+              <a:rPr lang="zh-TW" altLang="en-US" sz="6400" b="1" dirty="0" smtClean="0">
                 <a:solidFill>
                   <a:srgbClr val="660033"/>
                 </a:solidFill>
@@ -3467,10 +3450,10 @@
                 <a:latin typeface="微軟正黑體" pitchFamily="34" charset="-120"/>
                 <a:ea typeface="微軟正黑體" pitchFamily="34" charset="-120"/>
               </a:rPr>
-              <a:t>袮</a:t>
-            </a:r>
-            <a:r>
-              <a:rPr lang="zh-TW" altLang="en-US" sz="6400" b="1" dirty="0">
+              <a:t>祢</a:t>
+            </a:r>
+            <a:r>
+              <a:rPr lang="zh-TW" altLang="en-US" sz="6400" b="1" dirty="0" smtClean="0">
                 <a:solidFill>
                   <a:srgbClr val="660033"/>
                 </a:solidFill>
@@ -3505,7 +3488,7 @@
               <a:t>腳步</a:t>
             </a:r>
             <a:r>
-              <a:rPr lang="zh-TW" altLang="en-US" sz="6400" b="1" dirty="0">
+              <a:rPr lang="zh-TW" altLang="en-US" sz="6400" b="1" dirty="0" smtClean="0">
                 <a:solidFill>
                   <a:srgbClr val="660033"/>
                 </a:solidFill>
@@ -3522,10 +3505,10 @@
                 <a:latin typeface="微軟正黑體" pitchFamily="34" charset="-120"/>
                 <a:ea typeface="微軟正黑體" pitchFamily="34" charset="-120"/>
               </a:rPr>
-              <a:t>袮</a:t>
-            </a:r>
-            <a:r>
-              <a:rPr lang="zh-TW" altLang="en-US" sz="6400" b="1" dirty="0">
+              <a:t>祢</a:t>
+            </a:r>
+            <a:r>
+              <a:rPr lang="zh-TW" altLang="en-US" sz="6400" b="1" dirty="0" smtClean="0">
                 <a:solidFill>
                   <a:srgbClr val="660033"/>
                 </a:solidFill>
@@ -3556,7 +3539,7 @@
         <p:spPr>
           <a:xfrm>
             <a:off x="0" y="5157192"/>
-            <a:ext cx="12192000" cy="748988"/>
+            <a:ext cx="12192000" cy="646331"/>
           </a:xfrm>
           <a:prstGeom prst="rect">
             <a:avLst/>
@@ -3571,7 +3554,7 @@
           <a:p>
             <a:pPr algn="ctr"/>
             <a:r>
-              <a:rPr lang="en-US" sz="4267" b="1" dirty="0">
+              <a:rPr lang="en-US" sz="3600" b="1" dirty="0">
                 <a:solidFill>
                   <a:srgbClr val="660033"/>
                 </a:solidFill>
@@ -3581,7 +3564,7 @@
               <a:t>( </a:t>
             </a:r>
             <a:r>
-              <a:rPr lang="zh-CN" altLang="en-US" sz="4267" b="1" dirty="0">
+              <a:rPr lang="zh-CN" altLang="en-US" sz="3600" b="1" dirty="0">
                 <a:solidFill>
                   <a:srgbClr val="660033"/>
                 </a:solidFill>
@@ -3591,7 +3574,7 @@
               <a:t>正</a:t>
             </a:r>
             <a:r>
-              <a:rPr lang="en-US" sz="4267" b="1" dirty="0">
+              <a:rPr lang="en-US" sz="3600" b="1" dirty="0">
                 <a:solidFill>
                   <a:srgbClr val="660033"/>
                 </a:solidFill>
@@ -3600,10 +3583,11 @@
               </a:rPr>
               <a:t> )</a:t>
             </a:r>
-            <a:endParaRPr lang="vi-VN" sz="4267" b="1" dirty="0">
+            <a:endParaRPr lang="vi-VN" sz="3600" b="1" dirty="0">
               <a:solidFill>
                 <a:srgbClr val="660033"/>
               </a:solidFill>
+              <a:latin typeface="Microsoft JhengHei" panose="020B0604030504040204" pitchFamily="34" charset="-120"/>
               <a:ea typeface="Microsoft JhengHei" panose="020B0604030504040204" pitchFamily="34" charset="-120"/>
             </a:endParaRPr>
           </a:p>
@@ -3675,7 +3659,7 @@
               <a:t>感</a:t>
             </a:r>
             <a:r>
-              <a:rPr lang="zh-TW" altLang="en-US" sz="6400" b="1" dirty="0">
+              <a:rPr lang="zh-TW" altLang="en-US" sz="6400" b="1" dirty="0" smtClean="0">
                 <a:solidFill>
                   <a:srgbClr val="660033"/>
                 </a:solidFill>
@@ -3692,10 +3676,10 @@
                 <a:latin typeface="微軟正黑體" pitchFamily="34" charset="-120"/>
                 <a:ea typeface="微軟正黑體" pitchFamily="34" charset="-120"/>
               </a:rPr>
-              <a:t>袮</a:t>
-            </a:r>
-            <a:r>
-              <a:rPr lang="zh-TW" altLang="en-US" sz="6400" b="1" dirty="0">
+              <a:t>祢</a:t>
+            </a:r>
+            <a:r>
+              <a:rPr lang="zh-TW" altLang="en-US" sz="6400" b="1" dirty="0" smtClean="0">
                 <a:solidFill>
                   <a:srgbClr val="660033"/>
                 </a:solidFill>
@@ -3741,7 +3725,7 @@
         <p:spPr>
           <a:xfrm>
             <a:off x="0" y="5157192"/>
-            <a:ext cx="12192000" cy="748988"/>
+            <a:ext cx="12192000" cy="646331"/>
           </a:xfrm>
           <a:prstGeom prst="rect">
             <a:avLst/>
@@ -3756,7 +3740,7 @@
           <a:p>
             <a:pPr algn="ctr"/>
             <a:r>
-              <a:rPr lang="en-US" sz="4267" b="1" dirty="0">
+              <a:rPr lang="en-US" sz="3600" b="1" dirty="0">
                 <a:solidFill>
                   <a:srgbClr val="660033"/>
                 </a:solidFill>
@@ -3766,29 +3750,40 @@
               <a:t>( </a:t>
             </a:r>
             <a:r>
-              <a:rPr lang="zh-CN" altLang="en-US" sz="4267" b="1" dirty="0">
+              <a:rPr lang="zh-CN" altLang="en-US" sz="3600" b="1" dirty="0" smtClean="0">
                 <a:solidFill>
                   <a:srgbClr val="660033"/>
                 </a:solidFill>
                 <a:latin typeface="Microsoft JhengHei" panose="020B0604030504040204" pitchFamily="34" charset="-120"/>
                 <a:ea typeface="Microsoft JhengHei" panose="020B0604030504040204" pitchFamily="34" charset="-120"/>
               </a:rPr>
-              <a:t>正</a:t>
-            </a:r>
-            <a:r>
-              <a:rPr lang="en-US" sz="4267" b="1" dirty="0">
+              <a:t>前副</a:t>
+            </a:r>
+            <a:r>
+              <a:rPr lang="en-US" sz="3600" b="1" dirty="0" smtClean="0">
                 <a:solidFill>
                   <a:srgbClr val="660033"/>
                 </a:solidFill>
                 <a:latin typeface="Microsoft JhengHei" panose="020B0604030504040204" pitchFamily="34" charset="-120"/>
                 <a:ea typeface="Microsoft JhengHei" panose="020B0604030504040204" pitchFamily="34" charset="-120"/>
               </a:rPr>
-              <a:t> )</a:t>
-            </a:r>
-            <a:endParaRPr lang="vi-VN" sz="4267" b="1" dirty="0">
+              <a:t> </a:t>
+            </a:r>
+            <a:r>
+              <a:rPr lang="en-US" sz="3600" b="1" dirty="0">
+                <a:solidFill>
+                  <a:srgbClr val="660033"/>
+                </a:solidFill>
+                <a:latin typeface="Microsoft JhengHei" panose="020B0604030504040204" pitchFamily="34" charset="-120"/>
+                <a:ea typeface="Microsoft JhengHei" panose="020B0604030504040204" pitchFamily="34" charset="-120"/>
+              </a:rPr>
+              <a:t>)</a:t>
+            </a:r>
+            <a:endParaRPr lang="vi-VN" sz="3600" b="1" dirty="0">
               <a:solidFill>
                 <a:srgbClr val="660033"/>
               </a:solidFill>
+              <a:latin typeface="Microsoft JhengHei" panose="020B0604030504040204" pitchFamily="34" charset="-120"/>
               <a:ea typeface="Microsoft JhengHei" panose="020B0604030504040204" pitchFamily="34" charset="-120"/>
             </a:endParaRPr>
           </a:p>
@@ -3886,7 +3881,7 @@
         <p:spPr>
           <a:xfrm>
             <a:off x="0" y="5157192"/>
-            <a:ext cx="12192000" cy="748988"/>
+            <a:ext cx="12192000" cy="646331"/>
           </a:xfrm>
           <a:prstGeom prst="rect">
             <a:avLst/>
@@ -3901,7 +3896,7 @@
           <a:p>
             <a:pPr algn="ctr"/>
             <a:r>
-              <a:rPr lang="en-US" sz="4267" b="1" dirty="0">
+              <a:rPr lang="en-US" sz="3600" b="1" dirty="0">
                 <a:solidFill>
                   <a:srgbClr val="660033"/>
                 </a:solidFill>
@@ -3911,17 +3906,17 @@
               <a:t>( </a:t>
             </a:r>
             <a:r>
-              <a:rPr lang="zh-CN" altLang="en-US" sz="4267" b="1" dirty="0">
+              <a:rPr lang="zh-CN" altLang="en-US" sz="3600" b="1" dirty="0">
                 <a:solidFill>
                   <a:srgbClr val="660033"/>
                 </a:solidFill>
                 <a:latin typeface="Microsoft JhengHei" panose="020B0604030504040204" pitchFamily="34" charset="-120"/>
                 <a:ea typeface="Microsoft JhengHei" panose="020B0604030504040204" pitchFamily="34" charset="-120"/>
               </a:rPr>
-              <a:t>正</a:t>
-            </a:r>
-            <a:r>
-              <a:rPr lang="en-US" sz="4267" b="1" dirty="0">
+              <a:t>前副</a:t>
+            </a:r>
+            <a:r>
+              <a:rPr lang="en-US" sz="3600" b="1" dirty="0">
                 <a:solidFill>
                   <a:srgbClr val="660033"/>
                 </a:solidFill>
@@ -3930,10 +3925,11 @@
               </a:rPr>
               <a:t> )</a:t>
             </a:r>
-            <a:endParaRPr lang="vi-VN" sz="4267" b="1" dirty="0">
+            <a:endParaRPr lang="vi-VN" sz="3600" b="1" dirty="0">
               <a:solidFill>
                 <a:srgbClr val="660033"/>
               </a:solidFill>
+              <a:latin typeface="Microsoft JhengHei" panose="020B0604030504040204" pitchFamily="34" charset="-120"/>
               <a:ea typeface="Microsoft JhengHei" panose="020B0604030504040204" pitchFamily="34" charset="-120"/>
             </a:endParaRPr>
           </a:p>
@@ -4031,7 +4027,7 @@
         <p:spPr>
           <a:xfrm>
             <a:off x="0" y="5157192"/>
-            <a:ext cx="12192000" cy="748988"/>
+            <a:ext cx="12192000" cy="646331"/>
           </a:xfrm>
           <a:prstGeom prst="rect">
             <a:avLst/>
@@ -4046,7 +4042,7 @@
           <a:p>
             <a:pPr algn="ctr"/>
             <a:r>
-              <a:rPr lang="en-US" sz="4267" b="1" dirty="0">
+              <a:rPr lang="en-US" sz="3600" b="1" dirty="0">
                 <a:solidFill>
                   <a:srgbClr val="660033"/>
                 </a:solidFill>
@@ -4056,7 +4052,7 @@
               <a:t>( </a:t>
             </a:r>
             <a:r>
-              <a:rPr lang="zh-CN" altLang="en-US" sz="4267" b="1" dirty="0">
+              <a:rPr lang="zh-CN" altLang="en-US" sz="3600" b="1" dirty="0">
                 <a:solidFill>
                   <a:srgbClr val="660033"/>
                 </a:solidFill>
@@ -4066,7 +4062,7 @@
               <a:t>副</a:t>
             </a:r>
             <a:r>
-              <a:rPr lang="en-US" sz="4267" b="1" dirty="0">
+              <a:rPr lang="en-US" sz="3600" b="1" dirty="0">
                 <a:solidFill>
                   <a:srgbClr val="660033"/>
                 </a:solidFill>
@@ -4075,10 +4071,11 @@
               </a:rPr>
               <a:t> )</a:t>
             </a:r>
-            <a:endParaRPr lang="vi-VN" sz="4267" b="1" dirty="0">
+            <a:endParaRPr lang="vi-VN" sz="3600" b="1" dirty="0">
               <a:solidFill>
                 <a:srgbClr val="660033"/>
               </a:solidFill>
+              <a:latin typeface="Microsoft JhengHei" panose="020B0604030504040204" pitchFamily="34" charset="-120"/>
               <a:ea typeface="Microsoft JhengHei" panose="020B0604030504040204" pitchFamily="34" charset="-120"/>
             </a:endParaRPr>
           </a:p>
@@ -4176,7 +4173,7 @@
         <p:spPr>
           <a:xfrm>
             <a:off x="0" y="5157192"/>
-            <a:ext cx="12192000" cy="748988"/>
+            <a:ext cx="12192000" cy="646331"/>
           </a:xfrm>
           <a:prstGeom prst="rect">
             <a:avLst/>
@@ -4191,7 +4188,7 @@
           <a:p>
             <a:pPr algn="ctr"/>
             <a:r>
-              <a:rPr lang="en-US" sz="4267" b="1" dirty="0">
+              <a:rPr lang="en-US" sz="3600" b="1" dirty="0">
                 <a:solidFill>
                   <a:srgbClr val="660033"/>
                 </a:solidFill>
@@ -4201,7 +4198,7 @@
               <a:t>( </a:t>
             </a:r>
             <a:r>
-              <a:rPr lang="zh-CN" altLang="en-US" sz="4267" b="1" dirty="0">
+              <a:rPr lang="zh-CN" altLang="en-US" sz="3600" b="1" dirty="0">
                 <a:solidFill>
                   <a:srgbClr val="660033"/>
                 </a:solidFill>
@@ -4211,7 +4208,7 @@
               <a:t>副</a:t>
             </a:r>
             <a:r>
-              <a:rPr lang="en-US" sz="4267" b="1" dirty="0">
+              <a:rPr lang="en-US" sz="3600" b="1" dirty="0">
                 <a:solidFill>
                   <a:srgbClr val="660033"/>
                 </a:solidFill>
@@ -4220,10 +4217,11 @@
               </a:rPr>
               <a:t> )</a:t>
             </a:r>
-            <a:endParaRPr lang="vi-VN" sz="4267" b="1" dirty="0">
+            <a:endParaRPr lang="vi-VN" sz="3600" b="1" dirty="0">
               <a:solidFill>
                 <a:srgbClr val="660033"/>
               </a:solidFill>
+              <a:latin typeface="Microsoft JhengHei" panose="020B0604030504040204" pitchFamily="34" charset="-120"/>
               <a:ea typeface="Microsoft JhengHei" panose="020B0604030504040204" pitchFamily="34" charset="-120"/>
             </a:endParaRPr>
           </a:p>
